--- a/Гугл-бот.pptx
+++ b/Гугл-бот.pptx
@@ -216,7 +216,7 @@
           <a:effectLst/>
           <a:extLst>
             <a:ext uri="{91240B29-F687-4f45-9708-019B960494DF}">
-              <a14:hiddenLine xmlns:a14="http://schemas.microsoft.com/office/drawing/2010/main" xmlns="" w="9525">
+              <a14:hiddenLine xmlns="" xmlns:a14="http://schemas.microsoft.com/office/drawing/2010/main" w="9525">
                 <a:solidFill>
                   <a:srgbClr val="000000"/>
                 </a:solidFill>
@@ -408,7 +408,7 @@
           <a:p>
             <a:fld id="{D019E376-8882-4597-9A88-E66A068C8AFA}" type="datetimeFigureOut">
               <a:rPr lang="ru-RU" smtClean="0"/>
-              <a:t>27.11.2024</a:t>
+              <a:t>29.11.2024</a:t>
             </a:fld>
             <a:endParaRPr lang="ru-RU"/>
           </a:p>
@@ -726,7 +726,7 @@
           <a:p>
             <a:fld id="{D019E376-8882-4597-9A88-E66A068C8AFA}" type="datetimeFigureOut">
               <a:rPr lang="ru-RU" smtClean="0"/>
-              <a:t>27.11.2024</a:t>
+              <a:t>29.11.2024</a:t>
             </a:fld>
             <a:endParaRPr lang="ru-RU"/>
           </a:p>
@@ -1214,7 +1214,7 @@
           <a:p>
             <a:fld id="{D019E376-8882-4597-9A88-E66A068C8AFA}" type="datetimeFigureOut">
               <a:rPr lang="ru-RU" smtClean="0"/>
-              <a:t>27.11.2024</a:t>
+              <a:t>29.11.2024</a:t>
             </a:fld>
             <a:endParaRPr lang="ru-RU"/>
           </a:p>
@@ -1583,7 +1583,7 @@
           <a:p>
             <a:fld id="{D019E376-8882-4597-9A88-E66A068C8AFA}" type="datetimeFigureOut">
               <a:rPr lang="ru-RU" smtClean="0"/>
-              <a:t>27.11.2024</a:t>
+              <a:t>29.11.2024</a:t>
             </a:fld>
             <a:endParaRPr lang="ru-RU"/>
           </a:p>
@@ -1738,7 +1738,7 @@
           <a:ln/>
           <a:extLst>
             <a:ext uri="{91240B29-F687-4f45-9708-019B960494DF}">
-              <a14:hiddenLine xmlns:a14="http://schemas.microsoft.com/office/drawing/2010/main" xmlns="" w="9525">
+              <a14:hiddenLine xmlns="" xmlns:a14="http://schemas.microsoft.com/office/drawing/2010/main" w="9525">
                 <a:solidFill>
                   <a:srgbClr val="000000"/>
                 </a:solidFill>
@@ -1856,7 +1856,7 @@
           <a:p>
             <a:fld id="{D019E376-8882-4597-9A88-E66A068C8AFA}" type="datetimeFigureOut">
               <a:rPr lang="ru-RU" smtClean="0"/>
-              <a:t>27.11.2024</a:t>
+              <a:t>29.11.2024</a:t>
             </a:fld>
             <a:endParaRPr lang="ru-RU"/>
           </a:p>
@@ -2013,7 +2013,7 @@
           <a:ln/>
           <a:extLst>
             <a:ext uri="{91240B29-F687-4f45-9708-019B960494DF}">
-              <a14:hiddenLine xmlns:a14="http://schemas.microsoft.com/office/drawing/2010/main" xmlns="" w="9525">
+              <a14:hiddenLine xmlns="" xmlns:a14="http://schemas.microsoft.com/office/drawing/2010/main" w="9525">
                 <a:solidFill>
                   <a:srgbClr val="000000"/>
                 </a:solidFill>
@@ -2141,7 +2141,7 @@
           <a:p>
             <a:fld id="{D019E376-8882-4597-9A88-E66A068C8AFA}" type="datetimeFigureOut">
               <a:rPr lang="ru-RU" smtClean="0"/>
-              <a:t>27.11.2024</a:t>
+              <a:t>29.11.2024</a:t>
             </a:fld>
             <a:endParaRPr lang="ru-RU"/>
           </a:p>
@@ -2296,7 +2296,7 @@
           <a:ln/>
           <a:extLst>
             <a:ext uri="{91240B29-F687-4f45-9708-019B960494DF}">
-              <a14:hiddenLine xmlns:a14="http://schemas.microsoft.com/office/drawing/2010/main" xmlns="" w="9525">
+              <a14:hiddenLine xmlns="" xmlns:a14="http://schemas.microsoft.com/office/drawing/2010/main" w="9525">
                 <a:solidFill>
                   <a:srgbClr val="000000"/>
                 </a:solidFill>
@@ -2424,7 +2424,7 @@
           <a:p>
             <a:fld id="{D019E376-8882-4597-9A88-E66A068C8AFA}" type="datetimeFigureOut">
               <a:rPr lang="ru-RU" smtClean="0"/>
-              <a:t>27.11.2024</a:t>
+              <a:t>29.11.2024</a:t>
             </a:fld>
             <a:endParaRPr lang="ru-RU"/>
           </a:p>
@@ -2767,7 +2767,7 @@
           <a:p>
             <a:fld id="{D019E376-8882-4597-9A88-E66A068C8AFA}" type="datetimeFigureOut">
               <a:rPr lang="ru-RU" smtClean="0"/>
-              <a:t>27.11.2024</a:t>
+              <a:t>29.11.2024</a:t>
             </a:fld>
             <a:endParaRPr lang="ru-RU"/>
           </a:p>
@@ -2922,7 +2922,7 @@
           <a:ln/>
           <a:extLst>
             <a:ext uri="{91240B29-F687-4f45-9708-019B960494DF}">
-              <a14:hiddenLine xmlns:a14="http://schemas.microsoft.com/office/drawing/2010/main" xmlns="" w="9525">
+              <a14:hiddenLine xmlns="" xmlns:a14="http://schemas.microsoft.com/office/drawing/2010/main" w="9525">
                 <a:solidFill>
                   <a:srgbClr val="000000"/>
                 </a:solidFill>
@@ -3106,7 +3106,7 @@
           <a:p>
             <a:fld id="{D019E376-8882-4597-9A88-E66A068C8AFA}" type="datetimeFigureOut">
               <a:rPr lang="ru-RU" smtClean="0"/>
-              <a:t>27.11.2024</a:t>
+              <a:t>29.11.2024</a:t>
             </a:fld>
             <a:endParaRPr lang="ru-RU"/>
           </a:p>
@@ -3261,7 +3261,7 @@
           <a:ln/>
           <a:extLst>
             <a:ext uri="{91240B29-F687-4f45-9708-019B960494DF}">
-              <a14:hiddenLine xmlns:a14="http://schemas.microsoft.com/office/drawing/2010/main" xmlns="" w="9525">
+              <a14:hiddenLine xmlns="" xmlns:a14="http://schemas.microsoft.com/office/drawing/2010/main" w="9525">
                 <a:solidFill>
                   <a:srgbClr val="000000"/>
                 </a:solidFill>
@@ -3583,7 +3583,7 @@
           <a:p>
             <a:fld id="{D019E376-8882-4597-9A88-E66A068C8AFA}" type="datetimeFigureOut">
               <a:rPr lang="ru-RU" smtClean="0"/>
-              <a:t>27.11.2024</a:t>
+              <a:t>29.11.2024</a:t>
             </a:fld>
             <a:endParaRPr lang="ru-RU"/>
           </a:p>
@@ -3738,7 +3738,7 @@
           <a:ln/>
           <a:extLst>
             <a:ext uri="{91240B29-F687-4f45-9708-019B960494DF}">
-              <a14:hiddenLine xmlns:a14="http://schemas.microsoft.com/office/drawing/2010/main" xmlns="" w="9525">
+              <a14:hiddenLine xmlns="" xmlns:a14="http://schemas.microsoft.com/office/drawing/2010/main" w="9525">
                 <a:solidFill>
                   <a:srgbClr val="000000"/>
                 </a:solidFill>
@@ -3804,7 +3804,7 @@
           <a:p>
             <a:fld id="{D019E376-8882-4597-9A88-E66A068C8AFA}" type="datetimeFigureOut">
               <a:rPr lang="ru-RU" smtClean="0"/>
-              <a:t>27.11.2024</a:t>
+              <a:t>29.11.2024</a:t>
             </a:fld>
             <a:endParaRPr lang="ru-RU"/>
           </a:p>
@@ -3899,7 +3899,7 @@
           <a:p>
             <a:fld id="{D019E376-8882-4597-9A88-E66A068C8AFA}" type="datetimeFigureOut">
               <a:rPr lang="ru-RU" smtClean="0"/>
-              <a:t>27.11.2024</a:t>
+              <a:t>29.11.2024</a:t>
             </a:fld>
             <a:endParaRPr lang="ru-RU"/>
           </a:p>
@@ -4167,7 +4167,7 @@
           <a:ln/>
           <a:extLst>
             <a:ext uri="{91240B29-F687-4f45-9708-019B960494DF}">
-              <a14:hiddenLine xmlns:a14="http://schemas.microsoft.com/office/drawing/2010/main" xmlns="" w="9525">
+              <a14:hiddenLine xmlns="" xmlns:a14="http://schemas.microsoft.com/office/drawing/2010/main" w="9525">
                 <a:solidFill>
                   <a:srgbClr val="000000"/>
                 </a:solidFill>
@@ -4366,7 +4366,7 @@
           <a:p>
             <a:fld id="{D019E376-8882-4597-9A88-E66A068C8AFA}" type="datetimeFigureOut">
               <a:rPr lang="ru-RU" smtClean="0"/>
-              <a:t>27.11.2024</a:t>
+              <a:t>29.11.2024</a:t>
             </a:fld>
             <a:endParaRPr lang="ru-RU"/>
           </a:p>
@@ -4679,7 +4679,7 @@
           <a:p>
             <a:fld id="{D019E376-8882-4597-9A88-E66A068C8AFA}" type="datetimeFigureOut">
               <a:rPr lang="ru-RU" smtClean="0"/>
-              <a:t>27.11.2024</a:t>
+              <a:t>29.11.2024</a:t>
             </a:fld>
             <a:endParaRPr lang="ru-RU"/>
           </a:p>
@@ -4949,7 +4949,7 @@
           <a:p>
             <a:fld id="{D019E376-8882-4597-9A88-E66A068C8AFA}" type="datetimeFigureOut">
               <a:rPr lang="ru-RU" smtClean="0"/>
-              <a:t>27.11.2024</a:t>
+              <a:t>29.11.2024</a:t>
             </a:fld>
             <a:endParaRPr lang="ru-RU"/>
           </a:p>
@@ -5576,7 +5576,39 @@
               <a:rPr lang="en-US" sz="2000" dirty="0" smtClean="0"/>
               <a:t>:</a:t>
             </a:r>
-            <a:endParaRPr lang="ru-RU" sz="2000" dirty="0"/>
+          </a:p>
+          <a:p>
+            <a:r>
+              <a:rPr lang="en-US" sz="2000" dirty="0">
+                <a:hlinkClick r:id="rId2"/>
+              </a:rPr>
+              <a:t>https://sky.pro/media/kak-rabotat-s-bibliotekoj-selenium-v-python</a:t>
+            </a:r>
+            <a:r>
+              <a:rPr lang="en-US" sz="2000" dirty="0" smtClean="0">
+                <a:hlinkClick r:id="rId2"/>
+              </a:rPr>
+              <a:t>/</a:t>
+            </a:r>
+            <a:endParaRPr lang="en-US" sz="2000" dirty="0" smtClean="0"/>
+          </a:p>
+          <a:p>
+            <a:r>
+              <a:rPr lang="en-US" sz="2000" dirty="0">
+                <a:hlinkClick r:id="rId3"/>
+              </a:rPr>
+              <a:t>https://habr.com/ru/companies/selectel/articles/547290</a:t>
+            </a:r>
+            <a:r>
+              <a:rPr lang="en-US" sz="2000" dirty="0" smtClean="0">
+                <a:hlinkClick r:id="rId3"/>
+              </a:rPr>
+              <a:t>/</a:t>
+            </a:r>
+            <a:endParaRPr lang="en-US" sz="2000" dirty="0" smtClean="0"/>
+          </a:p>
+          <a:p>
+            <a:endParaRPr lang="en-US" sz="2000" dirty="0" smtClean="0"/>
           </a:p>
         </p:txBody>
       </p:sp>

--- a/Гугл-бот.pptx
+++ b/Гугл-бот.pptx
@@ -216,7 +216,7 @@
           <a:effectLst/>
           <a:extLst>
             <a:ext uri="{91240B29-F687-4f45-9708-019B960494DF}">
-              <a14:hiddenLine xmlns="" xmlns:a14="http://schemas.microsoft.com/office/drawing/2010/main" w="9525">
+              <a14:hiddenLine xmlns:a14="http://schemas.microsoft.com/office/drawing/2010/main" xmlns="" w="9525">
                 <a:solidFill>
                   <a:srgbClr val="000000"/>
                 </a:solidFill>
@@ -408,7 +408,7 @@
           <a:p>
             <a:fld id="{D019E376-8882-4597-9A88-E66A068C8AFA}" type="datetimeFigureOut">
               <a:rPr lang="ru-RU" smtClean="0"/>
-              <a:t>29.11.2024</a:t>
+              <a:t>30.11.2024</a:t>
             </a:fld>
             <a:endParaRPr lang="ru-RU"/>
           </a:p>
@@ -726,7 +726,7 @@
           <a:p>
             <a:fld id="{D019E376-8882-4597-9A88-E66A068C8AFA}" type="datetimeFigureOut">
               <a:rPr lang="ru-RU" smtClean="0"/>
-              <a:t>29.11.2024</a:t>
+              <a:t>30.11.2024</a:t>
             </a:fld>
             <a:endParaRPr lang="ru-RU"/>
           </a:p>
@@ -1214,7 +1214,7 @@
           <a:p>
             <a:fld id="{D019E376-8882-4597-9A88-E66A068C8AFA}" type="datetimeFigureOut">
               <a:rPr lang="ru-RU" smtClean="0"/>
-              <a:t>29.11.2024</a:t>
+              <a:t>30.11.2024</a:t>
             </a:fld>
             <a:endParaRPr lang="ru-RU"/>
           </a:p>
@@ -1583,7 +1583,7 @@
           <a:p>
             <a:fld id="{D019E376-8882-4597-9A88-E66A068C8AFA}" type="datetimeFigureOut">
               <a:rPr lang="ru-RU" smtClean="0"/>
-              <a:t>29.11.2024</a:t>
+              <a:t>30.11.2024</a:t>
             </a:fld>
             <a:endParaRPr lang="ru-RU"/>
           </a:p>
@@ -1738,7 +1738,7 @@
           <a:ln/>
           <a:extLst>
             <a:ext uri="{91240B29-F687-4f45-9708-019B960494DF}">
-              <a14:hiddenLine xmlns="" xmlns:a14="http://schemas.microsoft.com/office/drawing/2010/main" w="9525">
+              <a14:hiddenLine xmlns:a14="http://schemas.microsoft.com/office/drawing/2010/main" xmlns="" w="9525">
                 <a:solidFill>
                   <a:srgbClr val="000000"/>
                 </a:solidFill>
@@ -1856,7 +1856,7 @@
           <a:p>
             <a:fld id="{D019E376-8882-4597-9A88-E66A068C8AFA}" type="datetimeFigureOut">
               <a:rPr lang="ru-RU" smtClean="0"/>
-              <a:t>29.11.2024</a:t>
+              <a:t>30.11.2024</a:t>
             </a:fld>
             <a:endParaRPr lang="ru-RU"/>
           </a:p>
@@ -2013,7 +2013,7 @@
           <a:ln/>
           <a:extLst>
             <a:ext uri="{91240B29-F687-4f45-9708-019B960494DF}">
-              <a14:hiddenLine xmlns="" xmlns:a14="http://schemas.microsoft.com/office/drawing/2010/main" w="9525">
+              <a14:hiddenLine xmlns:a14="http://schemas.microsoft.com/office/drawing/2010/main" xmlns="" w="9525">
                 <a:solidFill>
                   <a:srgbClr val="000000"/>
                 </a:solidFill>
@@ -2141,7 +2141,7 @@
           <a:p>
             <a:fld id="{D019E376-8882-4597-9A88-E66A068C8AFA}" type="datetimeFigureOut">
               <a:rPr lang="ru-RU" smtClean="0"/>
-              <a:t>29.11.2024</a:t>
+              <a:t>30.11.2024</a:t>
             </a:fld>
             <a:endParaRPr lang="ru-RU"/>
           </a:p>
@@ -2296,7 +2296,7 @@
           <a:ln/>
           <a:extLst>
             <a:ext uri="{91240B29-F687-4f45-9708-019B960494DF}">
-              <a14:hiddenLine xmlns="" xmlns:a14="http://schemas.microsoft.com/office/drawing/2010/main" w="9525">
+              <a14:hiddenLine xmlns:a14="http://schemas.microsoft.com/office/drawing/2010/main" xmlns="" w="9525">
                 <a:solidFill>
                   <a:srgbClr val="000000"/>
                 </a:solidFill>
@@ -2424,7 +2424,7 @@
           <a:p>
             <a:fld id="{D019E376-8882-4597-9A88-E66A068C8AFA}" type="datetimeFigureOut">
               <a:rPr lang="ru-RU" smtClean="0"/>
-              <a:t>29.11.2024</a:t>
+              <a:t>30.11.2024</a:t>
             </a:fld>
             <a:endParaRPr lang="ru-RU"/>
           </a:p>
@@ -2767,7 +2767,7 @@
           <a:p>
             <a:fld id="{D019E376-8882-4597-9A88-E66A068C8AFA}" type="datetimeFigureOut">
               <a:rPr lang="ru-RU" smtClean="0"/>
-              <a:t>29.11.2024</a:t>
+              <a:t>30.11.2024</a:t>
             </a:fld>
             <a:endParaRPr lang="ru-RU"/>
           </a:p>
@@ -2922,7 +2922,7 @@
           <a:ln/>
           <a:extLst>
             <a:ext uri="{91240B29-F687-4f45-9708-019B960494DF}">
-              <a14:hiddenLine xmlns="" xmlns:a14="http://schemas.microsoft.com/office/drawing/2010/main" w="9525">
+              <a14:hiddenLine xmlns:a14="http://schemas.microsoft.com/office/drawing/2010/main" xmlns="" w="9525">
                 <a:solidFill>
                   <a:srgbClr val="000000"/>
                 </a:solidFill>
@@ -3106,7 +3106,7 @@
           <a:p>
             <a:fld id="{D019E376-8882-4597-9A88-E66A068C8AFA}" type="datetimeFigureOut">
               <a:rPr lang="ru-RU" smtClean="0"/>
-              <a:t>29.11.2024</a:t>
+              <a:t>30.11.2024</a:t>
             </a:fld>
             <a:endParaRPr lang="ru-RU"/>
           </a:p>
@@ -3261,7 +3261,7 @@
           <a:ln/>
           <a:extLst>
             <a:ext uri="{91240B29-F687-4f45-9708-019B960494DF}">
-              <a14:hiddenLine xmlns="" xmlns:a14="http://schemas.microsoft.com/office/drawing/2010/main" w="9525">
+              <a14:hiddenLine xmlns:a14="http://schemas.microsoft.com/office/drawing/2010/main" xmlns="" w="9525">
                 <a:solidFill>
                   <a:srgbClr val="000000"/>
                 </a:solidFill>
@@ -3583,7 +3583,7 @@
           <a:p>
             <a:fld id="{D019E376-8882-4597-9A88-E66A068C8AFA}" type="datetimeFigureOut">
               <a:rPr lang="ru-RU" smtClean="0"/>
-              <a:t>29.11.2024</a:t>
+              <a:t>30.11.2024</a:t>
             </a:fld>
             <a:endParaRPr lang="ru-RU"/>
           </a:p>
@@ -3738,7 +3738,7 @@
           <a:ln/>
           <a:extLst>
             <a:ext uri="{91240B29-F687-4f45-9708-019B960494DF}">
-              <a14:hiddenLine xmlns="" xmlns:a14="http://schemas.microsoft.com/office/drawing/2010/main" w="9525">
+              <a14:hiddenLine xmlns:a14="http://schemas.microsoft.com/office/drawing/2010/main" xmlns="" w="9525">
                 <a:solidFill>
                   <a:srgbClr val="000000"/>
                 </a:solidFill>
@@ -3804,7 +3804,7 @@
           <a:p>
             <a:fld id="{D019E376-8882-4597-9A88-E66A068C8AFA}" type="datetimeFigureOut">
               <a:rPr lang="ru-RU" smtClean="0"/>
-              <a:t>29.11.2024</a:t>
+              <a:t>30.11.2024</a:t>
             </a:fld>
             <a:endParaRPr lang="ru-RU"/>
           </a:p>
@@ -3899,7 +3899,7 @@
           <a:p>
             <a:fld id="{D019E376-8882-4597-9A88-E66A068C8AFA}" type="datetimeFigureOut">
               <a:rPr lang="ru-RU" smtClean="0"/>
-              <a:t>29.11.2024</a:t>
+              <a:t>30.11.2024</a:t>
             </a:fld>
             <a:endParaRPr lang="ru-RU"/>
           </a:p>
@@ -4167,7 +4167,7 @@
           <a:ln/>
           <a:extLst>
             <a:ext uri="{91240B29-F687-4f45-9708-019B960494DF}">
-              <a14:hiddenLine xmlns="" xmlns:a14="http://schemas.microsoft.com/office/drawing/2010/main" w="9525">
+              <a14:hiddenLine xmlns:a14="http://schemas.microsoft.com/office/drawing/2010/main" xmlns="" w="9525">
                 <a:solidFill>
                   <a:srgbClr val="000000"/>
                 </a:solidFill>
@@ -4366,7 +4366,7 @@
           <a:p>
             <a:fld id="{D019E376-8882-4597-9A88-E66A068C8AFA}" type="datetimeFigureOut">
               <a:rPr lang="ru-RU" smtClean="0"/>
-              <a:t>29.11.2024</a:t>
+              <a:t>30.11.2024</a:t>
             </a:fld>
             <a:endParaRPr lang="ru-RU"/>
           </a:p>
@@ -4679,7 +4679,7 @@
           <a:p>
             <a:fld id="{D019E376-8882-4597-9A88-E66A068C8AFA}" type="datetimeFigureOut">
               <a:rPr lang="ru-RU" smtClean="0"/>
-              <a:t>29.11.2024</a:t>
+              <a:t>30.11.2024</a:t>
             </a:fld>
             <a:endParaRPr lang="ru-RU"/>
           </a:p>
@@ -4949,7 +4949,7 @@
           <a:p>
             <a:fld id="{D019E376-8882-4597-9A88-E66A068C8AFA}" type="datetimeFigureOut">
               <a:rPr lang="ru-RU" smtClean="0"/>
-              <a:t>29.11.2024</a:t>
+              <a:t>30.11.2024</a:t>
             </a:fld>
             <a:endParaRPr lang="ru-RU"/>
           </a:p>
@@ -5839,7 +5839,7 @@
         </p:nvSpPr>
         <p:spPr>
           <a:xfrm>
-            <a:off x="277091" y="2124362"/>
+            <a:off x="277091" y="2096654"/>
             <a:ext cx="5800435" cy="4498107"/>
           </a:xfrm>
         </p:spPr>
@@ -5892,15 +5892,11 @@
             </a:r>
             <a:r>
               <a:rPr lang="en-US" sz="2200" dirty="0" smtClean="0"/>
-              <a:t> SQL</a:t>
-            </a:r>
-            <a:r>
-              <a:rPr lang="ru-RU" sz="2200" dirty="0" smtClean="0"/>
-              <a:t>а</a:t>
+              <a:t> </a:t>
             </a:r>
             <a:r>
               <a:rPr lang="en-US" sz="2200" dirty="0" err="1" smtClean="0"/>
-              <a:t>lchemy</a:t>
+              <a:t>os</a:t>
             </a:r>
             <a:r>
               <a:rPr lang="en-US" sz="2200" dirty="0" smtClean="0"/>
@@ -5908,7 +5904,11 @@
             </a:r>
             <a:r>
               <a:rPr lang="ru-RU" sz="2200" dirty="0" smtClean="0"/>
-              <a:t>и про </a:t>
+              <a:t>и </a:t>
+            </a:r>
+            <a:r>
+              <a:rPr lang="ru-RU" sz="2200" dirty="0" smtClean="0"/>
+              <a:t>про </a:t>
             </a:r>
             <a:r>
               <a:rPr lang="en-US" sz="2200" dirty="0" err="1" smtClean="0"/>
@@ -6093,20 +6093,12 @@
               <a:buAutoNum type="arabicPeriod"/>
             </a:pPr>
             <a:r>
-              <a:rPr lang="en-US" sz="2400" dirty="0" smtClean="0"/>
-              <a:t>“</a:t>
-            </a:r>
-            <a:r>
               <a:rPr lang="ru-RU" sz="2400" dirty="0" smtClean="0"/>
-              <a:t>Сшить</a:t>
-            </a:r>
-            <a:r>
-              <a:rPr lang="en-US" sz="2400" dirty="0" smtClean="0"/>
-              <a:t>”</a:t>
+              <a:t>Собрать результаты </a:t>
             </a:r>
             <a:r>
               <a:rPr lang="ru-RU" sz="2400" dirty="0" smtClean="0"/>
-              <a:t> результаты в готовую программу</a:t>
+              <a:t>в готовую программу</a:t>
             </a:r>
           </a:p>
           <a:p>
@@ -6210,15 +6202,23 @@
             </a:pPr>
             <a:r>
               <a:rPr lang="ru-RU" sz="2000" dirty="0" smtClean="0"/>
-              <a:t>Первая функция моего бота – загрузка фото из </a:t>
+              <a:t>Первая функция моего бота – загрузка фото </a:t>
+            </a:r>
+            <a:r>
+              <a:rPr lang="ru-RU" sz="2000" dirty="0" smtClean="0"/>
+              <a:t>из облака </a:t>
             </a:r>
             <a:r>
               <a:rPr lang="en-US" sz="2000" dirty="0" smtClean="0"/>
-              <a:t>Google Photo</a:t>
+              <a:t>Google </a:t>
             </a:r>
             <a:r>
               <a:rPr lang="ru-RU" sz="2000" dirty="0" smtClean="0"/>
-              <a:t> в реальном времени.</a:t>
+              <a:t>в </a:t>
+            </a:r>
+            <a:r>
+              <a:rPr lang="ru-RU" sz="2000" dirty="0" smtClean="0"/>
+              <a:t>реальном времени.</a:t>
             </a:r>
           </a:p>
           <a:p>
@@ -6227,7 +6227,15 @@
             </a:pPr>
             <a:r>
               <a:rPr lang="ru-RU" sz="2000" dirty="0" smtClean="0"/>
-              <a:t>Боту можно абсолютно безопасно выдать логин и пароль от аккаунта, после чего под Вашим надзором он будет скачивать архив фотографий.</a:t>
+              <a:t>Боту </a:t>
+            </a:r>
+            <a:r>
+              <a:rPr lang="ru-RU" sz="2000" dirty="0" smtClean="0"/>
+              <a:t>можно безопасно </a:t>
+            </a:r>
+            <a:r>
+              <a:rPr lang="ru-RU" sz="2000" dirty="0" smtClean="0"/>
+              <a:t>выдать логин и пароль от аккаунта, после чего под Вашим надзором он будет скачивать архив фотографий.</a:t>
             </a:r>
           </a:p>
           <a:p>
@@ -6399,7 +6407,15 @@
             </a:r>
             <a:r>
               <a:rPr lang="ru-RU" sz="2400" dirty="0" smtClean="0"/>
-              <a:t>, после чего нужно только смотреть.</a:t>
+              <a:t>, после чего </a:t>
+            </a:r>
+            <a:r>
+              <a:rPr lang="ru-RU" sz="2400" dirty="0" smtClean="0"/>
+              <a:t>останется </a:t>
+            </a:r>
+            <a:r>
+              <a:rPr lang="ru-RU" sz="2400" dirty="0" smtClean="0"/>
+              <a:t>только смотреть.</a:t>
             </a:r>
           </a:p>
           <a:p>
@@ -6535,7 +6551,7 @@
         </p:spPr>
         <p:txBody>
           <a:bodyPr>
-            <a:normAutofit fontScale="92500" lnSpcReduction="10000"/>
+            <a:normAutofit fontScale="92500"/>
           </a:bodyPr>
           <a:lstStyle/>
           <a:p>
@@ -6561,16 +6577,17 @@
             </a:r>
             <a:r>
               <a:rPr lang="ru-RU" sz="2400" dirty="0" smtClean="0"/>
-              <a:t>, и, если они совпадают более чем на 88%, удаляю один из файлов и его </a:t>
-            </a:r>
-            <a:r>
-              <a:rPr lang="en-US" sz="2400" dirty="0" err="1" smtClean="0"/>
-              <a:t>json</a:t>
-            </a:r>
-            <a:r>
-              <a:rPr lang="ru-RU" sz="2400" dirty="0" smtClean="0"/>
-              <a:t>.</a:t>
-            </a:r>
+              <a:t>, и, если они совпадают более чем на 88%, удаляю один </a:t>
+            </a:r>
+            <a:r>
+              <a:rPr lang="ru-RU" sz="2400" smtClean="0"/>
+              <a:t>из </a:t>
+            </a:r>
+            <a:r>
+              <a:rPr lang="ru-RU" sz="2400" smtClean="0"/>
+              <a:t>файлов.</a:t>
+            </a:r>
+            <a:endParaRPr lang="ru-RU" sz="2400" dirty="0" smtClean="0"/>
           </a:p>
           <a:p>
             <a:pPr marL="0" indent="0">
@@ -6817,13 +6834,13 @@
         </p:nvSpPr>
         <p:spPr>
           <a:xfrm>
-            <a:off x="579583" y="2484576"/>
-            <a:ext cx="5181600" cy="3048000"/>
+            <a:off x="579582" y="2484576"/>
+            <a:ext cx="5267035" cy="3048000"/>
           </a:xfrm>
         </p:spPr>
         <p:txBody>
           <a:bodyPr>
-            <a:normAutofit fontScale="92500" lnSpcReduction="20000"/>
+            <a:normAutofit fontScale="92500" lnSpcReduction="10000"/>
           </a:bodyPr>
           <a:lstStyle/>
           <a:p>
